--- a/문서 06-17 145711.pptx
+++ b/문서 06-17 145711.pptx
@@ -2,7 +2,7 @@
 <file path=ppt/presentation.xml><?xml version="1.0" encoding="utf-8"?>
 <p:presentation xmlns:a="http://schemas.openxmlformats.org/drawingml/2006/main" xmlns:r="http://schemas.openxmlformats.org/officeDocument/2006/relationships" xmlns:p="http://schemas.openxmlformats.org/presentationml/2006/main" xmlns:p14="http://schemas.microsoft.com/office/powerpoint/2010/main" saveSubsetFonts="1">
   <p:sldMasterIdLst>
-    <p:sldMasterId id="2147483694" r:id="rId13"/>
+    <p:sldMasterId id="2147483696" r:id="rId13"/>
   </p:sldMasterIdLst>
   <p:notesMasterIdLst>
     <p:notesMasterId r:id="rId17"/>
@@ -9000,6 +9000,312 @@
           </p:txBody>
         </p:sp>
       </p:grpSp>
+      <p:sp>
+        <p:nvSpPr>
+          <p:cNvPr id="52" name="도형 354"/>
+          <p:cNvSpPr>
+            <a:spLocks/>
+          </p:cNvSpPr>
+          <p:nvPr/>
+        </p:nvSpPr>
+        <p:spPr>
+          <a:xfrm rot="0">
+            <a:off x="3348355" y="824230"/>
+            <a:ext cx="1248410" cy="553085"/>
+          </a:xfrm>
+          <a:prstGeom prst="ellipse"/>
+          <a:solidFill>
+            <a:schemeClr val="bg1"/>
+          </a:solidFill>
+          <a:ln w="12700" cap="flat" cmpd="sng">
+            <a:solidFill>
+              <a:schemeClr val="tx1">
+                <a:alpha val="100000"/>
+              </a:schemeClr>
+            </a:solidFill>
+            <a:prstDash val="solid"/>
+          </a:ln>
+        </p:spPr>
+        <p:style>
+          <a:lnRef idx="2">
+            <a:schemeClr val="accent1">
+              <a:shade val="50000"/>
+            </a:schemeClr>
+          </a:lnRef>
+          <a:fillRef idx="1">
+            <a:schemeClr val="accent1"/>
+          </a:fillRef>
+          <a:effectRef idx="0">
+            <a:schemeClr val="accent1"/>
+          </a:effectRef>
+          <a:fontRef idx="minor">
+            <a:schemeClr val="lt1"/>
+          </a:fontRef>
+        </p:style>
+        <p:txBody>
+          <a:bodyPr wrap="square" lIns="91440" tIns="45720" rIns="91440" bIns="45720" vert="horz" anchor="ctr">
+            <a:noAutofit/>
+          </a:bodyPr>
+          <a:lstStyle/>
+          <a:p>
+            <a:pPr marL="0" indent="0" algn="ctr" hangingPunct="1"/>
+            <a:r>
+              <a:rPr lang="ko-KR" sz="1100" u="sng">
+                <a:solidFill>
+                  <a:schemeClr val="tx1"/>
+                </a:solidFill>
+                <a:latin typeface="맑은 고딕" charset="0"/>
+                <a:ea typeface="맑은 고딕" charset="0"/>
+              </a:rPr>
+              <a:t>댓글코드</a:t>
+            </a:r>
+            <a:endParaRPr lang="ko-KR" altLang="en-US" sz="1100" u="sng">
+              <a:solidFill>
+                <a:schemeClr val="tx1"/>
+              </a:solidFill>
+              <a:latin typeface="맑은 고딕" charset="0"/>
+              <a:ea typeface="맑은 고딕" charset="0"/>
+            </a:endParaRPr>
+          </a:p>
+        </p:txBody>
+      </p:sp>
+      <p:sp>
+        <p:nvSpPr>
+          <p:cNvPr id="53" name="도형 355"/>
+          <p:cNvSpPr>
+            <a:spLocks/>
+          </p:cNvSpPr>
+          <p:nvPr/>
+        </p:nvSpPr>
+        <p:spPr>
+          <a:xfrm rot="0">
+            <a:off x="2524760" y="1429385"/>
+            <a:ext cx="1248410" cy="553085"/>
+          </a:xfrm>
+          <a:prstGeom prst="ellipse"/>
+          <a:solidFill>
+            <a:schemeClr val="bg1"/>
+          </a:solidFill>
+          <a:ln w="12700" cap="flat" cmpd="sng">
+            <a:solidFill>
+              <a:schemeClr val="tx1">
+                <a:alpha val="100000"/>
+              </a:schemeClr>
+            </a:solidFill>
+            <a:prstDash val="solid"/>
+          </a:ln>
+        </p:spPr>
+        <p:style>
+          <a:lnRef idx="2">
+            <a:schemeClr val="accent1">
+              <a:shade val="50000"/>
+            </a:schemeClr>
+          </a:lnRef>
+          <a:fillRef idx="1">
+            <a:schemeClr val="accent1"/>
+          </a:fillRef>
+          <a:effectRef idx="0">
+            <a:schemeClr val="accent1"/>
+          </a:effectRef>
+          <a:fontRef idx="minor">
+            <a:schemeClr val="lt1"/>
+          </a:fontRef>
+        </p:style>
+        <p:txBody>
+          <a:bodyPr wrap="square" lIns="91440" tIns="45720" rIns="91440" bIns="45720" vert="horz" anchor="ctr">
+            <a:noAutofit/>
+          </a:bodyPr>
+          <a:lstStyle/>
+          <a:p>
+            <a:pPr marL="0" indent="0" algn="ctr" hangingPunct="1"/>
+            <a:r>
+              <a:rPr lang="ko-KR" sz="1100">
+                <a:solidFill>
+                  <a:schemeClr val="tx1"/>
+                </a:solidFill>
+                <a:latin typeface="맑은 고딕" charset="0"/>
+                <a:ea typeface="맑은 고딕" charset="0"/>
+              </a:rPr>
+              <a:t>내용</a:t>
+            </a:r>
+            <a:endParaRPr lang="ko-KR" altLang="en-US" sz="1100">
+              <a:solidFill>
+                <a:schemeClr val="tx1"/>
+              </a:solidFill>
+              <a:latin typeface="맑은 고딕" charset="0"/>
+              <a:ea typeface="맑은 고딕" charset="0"/>
+            </a:endParaRPr>
+          </a:p>
+        </p:txBody>
+      </p:sp>
+      <p:sp>
+        <p:nvSpPr>
+          <p:cNvPr id="54" name="도형 356"/>
+          <p:cNvSpPr>
+            <a:spLocks/>
+          </p:cNvSpPr>
+          <p:nvPr/>
+        </p:nvSpPr>
+        <p:spPr>
+          <a:xfrm rot="0">
+            <a:off x="3763010" y="200660"/>
+            <a:ext cx="1248410" cy="553085"/>
+          </a:xfrm>
+          <a:prstGeom prst="ellipse"/>
+          <a:solidFill>
+            <a:schemeClr val="bg1"/>
+          </a:solidFill>
+          <a:ln w="12700" cap="flat" cmpd="sng">
+            <a:solidFill>
+              <a:schemeClr val="tx1">
+                <a:alpha val="100000"/>
+              </a:schemeClr>
+            </a:solidFill>
+            <a:prstDash val="solid"/>
+          </a:ln>
+        </p:spPr>
+        <p:style>
+          <a:lnRef idx="2">
+            <a:schemeClr val="accent1">
+              <a:shade val="50000"/>
+            </a:schemeClr>
+          </a:lnRef>
+          <a:fillRef idx="1">
+            <a:schemeClr val="accent1"/>
+          </a:fillRef>
+          <a:effectRef idx="0">
+            <a:schemeClr val="accent1"/>
+          </a:effectRef>
+          <a:fontRef idx="minor">
+            <a:schemeClr val="lt1"/>
+          </a:fontRef>
+        </p:style>
+        <p:txBody>
+          <a:bodyPr wrap="square" lIns="91440" tIns="45720" rIns="91440" bIns="45720" vert="horz" anchor="ctr">
+            <a:noAutofit/>
+          </a:bodyPr>
+          <a:lstStyle/>
+          <a:p>
+            <a:pPr marL="0" indent="0" algn="ctr" hangingPunct="1"/>
+            <a:r>
+              <a:rPr lang="ko-KR" sz="1100">
+                <a:solidFill>
+                  <a:schemeClr val="tx1"/>
+                </a:solidFill>
+                <a:latin typeface="맑은 고딕" charset="0"/>
+                <a:ea typeface="맑은 고딕" charset="0"/>
+              </a:rPr>
+              <a:t>작성일</a:t>
+            </a:r>
+            <a:endParaRPr lang="ko-KR" altLang="en-US" sz="1100">
+              <a:solidFill>
+                <a:schemeClr val="tx1"/>
+              </a:solidFill>
+              <a:latin typeface="맑은 고딕" charset="0"/>
+              <a:ea typeface="맑은 고딕" charset="0"/>
+            </a:endParaRPr>
+          </a:p>
+        </p:txBody>
+      </p:sp>
+      <p:cxnSp>
+        <p:nvCxnSpPr>
+          <p:cNvPr id="55" name="도형 357"/>
+          <p:cNvCxnSpPr/>
+          <p:nvPr/>
+        </p:nvCxnSpPr>
+        <p:spPr>
+          <a:xfrm rot="0">
+            <a:off x="4591050" y="609600"/>
+            <a:ext cx="324485" cy="1191260"/>
+          </a:xfrm>
+          <a:prstGeom prst="line"/>
+          <a:ln w="6350" cap="flat" cmpd="sng">
+            <a:prstDash/>
+            <a:headEnd type="none" w="med" len="med"/>
+            <a:tailEnd type="none" w="med" len="med"/>
+          </a:ln>
+        </p:spPr>
+        <p:style>
+          <a:lnRef idx="1">
+            <a:schemeClr val="accent1"/>
+          </a:lnRef>
+          <a:fillRef idx="0">
+            <a:schemeClr val="accent1"/>
+          </a:fillRef>
+          <a:effectRef idx="0">
+            <a:schemeClr val="accent1"/>
+          </a:effectRef>
+          <a:fontRef idx="minor">
+            <a:schemeClr val="tx1"/>
+          </a:fontRef>
+        </p:style>
+      </p:cxnSp>
+      <p:cxnSp>
+        <p:nvCxnSpPr>
+          <p:cNvPr id="56" name="도형 358"/>
+          <p:cNvCxnSpPr/>
+          <p:nvPr/>
+        </p:nvCxnSpPr>
+        <p:spPr>
+          <a:xfrm rot="0">
+            <a:off x="4067175" y="1171575"/>
+            <a:ext cx="920115" cy="701040"/>
+          </a:xfrm>
+          <a:prstGeom prst="line"/>
+          <a:ln w="6350" cap="flat" cmpd="sng">
+            <a:prstDash/>
+            <a:headEnd type="none" w="med" len="med"/>
+            <a:tailEnd type="none" w="med" len="med"/>
+          </a:ln>
+        </p:spPr>
+        <p:style>
+          <a:lnRef idx="1">
+            <a:schemeClr val="accent1"/>
+          </a:lnRef>
+          <a:fillRef idx="0">
+            <a:schemeClr val="accent1"/>
+          </a:fillRef>
+          <a:effectRef idx="0">
+            <a:schemeClr val="accent1"/>
+          </a:effectRef>
+          <a:fontRef idx="minor">
+            <a:schemeClr val="tx1"/>
+          </a:fontRef>
+        </p:style>
+      </p:cxnSp>
+      <p:cxnSp>
+        <p:nvCxnSpPr>
+          <p:cNvPr id="57" name="도형 359"/>
+          <p:cNvCxnSpPr/>
+          <p:nvPr/>
+        </p:nvCxnSpPr>
+        <p:spPr>
+          <a:xfrm rot="0">
+            <a:off x="3362325" y="1752600"/>
+            <a:ext cx="1624965" cy="120015"/>
+          </a:xfrm>
+          <a:prstGeom prst="line"/>
+          <a:ln w="6350" cap="flat" cmpd="sng">
+            <a:prstDash/>
+            <a:headEnd type="none" w="med" len="med"/>
+            <a:tailEnd type="none" w="med" len="med"/>
+          </a:ln>
+        </p:spPr>
+        <p:style>
+          <a:lnRef idx="1">
+            <a:schemeClr val="accent1"/>
+          </a:lnRef>
+          <a:fillRef idx="0">
+            <a:schemeClr val="accent1"/>
+          </a:fillRef>
+          <a:effectRef idx="0">
+            <a:schemeClr val="accent1"/>
+          </a:effectRef>
+          <a:fontRef idx="minor">
+            <a:schemeClr val="tx1"/>
+          </a:fontRef>
+        </p:style>
+      </p:cxnSp>
     </p:spTree>
   </p:cSld>
   <p:clrMapOvr>

--- a/문서 06-17 145711.pptx
+++ b/문서 06-17 145711.pptx
@@ -2,7 +2,7 @@
 <file path=ppt/presentation.xml><?xml version="1.0" encoding="utf-8"?>
 <p:presentation xmlns:a="http://schemas.openxmlformats.org/drawingml/2006/main" xmlns:r="http://schemas.openxmlformats.org/officeDocument/2006/relationships" xmlns:p="http://schemas.openxmlformats.org/presentationml/2006/main" xmlns:p14="http://schemas.microsoft.com/office/powerpoint/2010/main" saveSubsetFonts="1">
   <p:sldMasterIdLst>
-    <p:sldMasterId id="2147483696" r:id="rId13"/>
+    <p:sldMasterId id="2147483697" r:id="rId13"/>
   </p:sldMasterIdLst>
   <p:notesMasterIdLst>
     <p:notesMasterId r:id="rId17"/>
@@ -8886,7 +8886,7 @@
           <p:spPr>
             <a:xfrm rot="0">
               <a:off x="5095240" y="781685"/>
-              <a:ext cx="5640070" cy="268605"/>
+              <a:ext cx="5916295" cy="370205"/>
             </a:xfrm>
             <a:prstGeom prst="rect"/>
             <a:noFill/>
